--- a/チェーンハンマー基本プレイ.pptx
+++ b/チェーンハンマー基本プレイ.pptx
@@ -104,6 +104,11 @@
       </a:defRPr>
     </a:lvl9pPr>
   </p:defaultTextStyle>
+  <p:extLst>
+    <p:ext uri="{EFAFB233-063F-42B5-8137-9DF3F51BA10A}">
+      <p15:sldGuideLst xmlns:p15="http://schemas.microsoft.com/office/powerpoint/2012/main"/>
+    </p:ext>
+  </p:extLst>
 </p:presentation>
 </file>
 
@@ -254,7 +259,7 @@
           <a:p>
             <a:fld id="{C97DE7F6-D693-46D5-B4F2-B02828D3A0A9}" type="datetimeFigureOut">
               <a:rPr kumimoji="1" lang="ja-JP" altLang="en-US" smtClean="0"/>
-              <a:t>2022/7/26</a:t>
+              <a:t>2022/8/2</a:t>
             </a:fld>
             <a:endParaRPr kumimoji="1" lang="ja-JP" altLang="en-US"/>
           </a:p>
@@ -484,7 +489,7 @@
           <a:p>
             <a:fld id="{C97DE7F6-D693-46D5-B4F2-B02828D3A0A9}" type="datetimeFigureOut">
               <a:rPr kumimoji="1" lang="ja-JP" altLang="en-US" smtClean="0"/>
-              <a:t>2022/7/26</a:t>
+              <a:t>2022/8/2</a:t>
             </a:fld>
             <a:endParaRPr kumimoji="1" lang="ja-JP" altLang="en-US"/>
           </a:p>
@@ -724,7 +729,7 @@
           <a:p>
             <a:fld id="{C97DE7F6-D693-46D5-B4F2-B02828D3A0A9}" type="datetimeFigureOut">
               <a:rPr kumimoji="1" lang="ja-JP" altLang="en-US" smtClean="0"/>
-              <a:t>2022/7/26</a:t>
+              <a:t>2022/8/2</a:t>
             </a:fld>
             <a:endParaRPr kumimoji="1" lang="ja-JP" altLang="en-US"/>
           </a:p>
@@ -954,7 +959,7 @@
           <a:p>
             <a:fld id="{C97DE7F6-D693-46D5-B4F2-B02828D3A0A9}" type="datetimeFigureOut">
               <a:rPr kumimoji="1" lang="ja-JP" altLang="en-US" smtClean="0"/>
-              <a:t>2022/7/26</a:t>
+              <a:t>2022/8/2</a:t>
             </a:fld>
             <a:endParaRPr kumimoji="1" lang="ja-JP" altLang="en-US"/>
           </a:p>
@@ -1229,7 +1234,7 @@
           <a:p>
             <a:fld id="{C97DE7F6-D693-46D5-B4F2-B02828D3A0A9}" type="datetimeFigureOut">
               <a:rPr kumimoji="1" lang="ja-JP" altLang="en-US" smtClean="0"/>
-              <a:t>2022/7/26</a:t>
+              <a:t>2022/8/2</a:t>
             </a:fld>
             <a:endParaRPr kumimoji="1" lang="ja-JP" altLang="en-US"/>
           </a:p>
@@ -1558,7 +1563,7 @@
           <a:p>
             <a:fld id="{C97DE7F6-D693-46D5-B4F2-B02828D3A0A9}" type="datetimeFigureOut">
               <a:rPr kumimoji="1" lang="ja-JP" altLang="en-US" smtClean="0"/>
-              <a:t>2022/7/26</a:t>
+              <a:t>2022/8/2</a:t>
             </a:fld>
             <a:endParaRPr kumimoji="1" lang="ja-JP" altLang="en-US"/>
           </a:p>
@@ -2034,7 +2039,7 @@
           <a:p>
             <a:fld id="{C97DE7F6-D693-46D5-B4F2-B02828D3A0A9}" type="datetimeFigureOut">
               <a:rPr kumimoji="1" lang="ja-JP" altLang="en-US" smtClean="0"/>
-              <a:t>2022/7/26</a:t>
+              <a:t>2022/8/2</a:t>
             </a:fld>
             <a:endParaRPr kumimoji="1" lang="ja-JP" altLang="en-US"/>
           </a:p>
@@ -2175,7 +2180,7 @@
           <a:p>
             <a:fld id="{C97DE7F6-D693-46D5-B4F2-B02828D3A0A9}" type="datetimeFigureOut">
               <a:rPr kumimoji="1" lang="ja-JP" altLang="en-US" smtClean="0"/>
-              <a:t>2022/7/26</a:t>
+              <a:t>2022/8/2</a:t>
             </a:fld>
             <a:endParaRPr kumimoji="1" lang="ja-JP" altLang="en-US"/>
           </a:p>
@@ -2288,7 +2293,7 @@
           <a:p>
             <a:fld id="{C97DE7F6-D693-46D5-B4F2-B02828D3A0A9}" type="datetimeFigureOut">
               <a:rPr kumimoji="1" lang="ja-JP" altLang="en-US" smtClean="0"/>
-              <a:t>2022/7/26</a:t>
+              <a:t>2022/8/2</a:t>
             </a:fld>
             <a:endParaRPr kumimoji="1" lang="ja-JP" altLang="en-US"/>
           </a:p>
@@ -2631,7 +2636,7 @@
           <a:p>
             <a:fld id="{C97DE7F6-D693-46D5-B4F2-B02828D3A0A9}" type="datetimeFigureOut">
               <a:rPr kumimoji="1" lang="ja-JP" altLang="en-US" smtClean="0"/>
-              <a:t>2022/7/26</a:t>
+              <a:t>2022/8/2</a:t>
             </a:fld>
             <a:endParaRPr kumimoji="1" lang="ja-JP" altLang="en-US"/>
           </a:p>
@@ -2919,7 +2924,7 @@
           <a:p>
             <a:fld id="{C97DE7F6-D693-46D5-B4F2-B02828D3A0A9}" type="datetimeFigureOut">
               <a:rPr kumimoji="1" lang="ja-JP" altLang="en-US" smtClean="0"/>
-              <a:t>2022/7/26</a:t>
+              <a:t>2022/8/2</a:t>
             </a:fld>
             <a:endParaRPr kumimoji="1" lang="ja-JP" altLang="en-US"/>
           </a:p>
@@ -3192,7 +3197,7 @@
           <a:p>
             <a:fld id="{C97DE7F6-D693-46D5-B4F2-B02828D3A0A9}" type="datetimeFigureOut">
               <a:rPr kumimoji="1" lang="ja-JP" altLang="en-US" smtClean="0"/>
-              <a:t>2022/7/26</a:t>
+              <a:t>2022/8/2</a:t>
             </a:fld>
             <a:endParaRPr kumimoji="1" lang="ja-JP" altLang="en-US"/>
           </a:p>
@@ -3652,7 +3657,7 @@
         <p:spPr>
           <a:xfrm>
             <a:off x="500849" y="1997474"/>
-            <a:ext cx="3647152" cy="1754326"/>
+            <a:ext cx="5262979" cy="2585323"/>
           </a:xfrm>
           <a:prstGeom prst="rect">
             <a:avLst/>
@@ -3683,6 +3688,17 @@
           </a:p>
           <a:p>
             <a:r>
+              <a:rPr lang="en-US" altLang="ja-JP" dirty="0"/>
+              <a:t>	</a:t>
+            </a:r>
+            <a:r>
+              <a:rPr lang="ja-JP" altLang="en-US" dirty="0"/>
+              <a:t>ハンマーを持ったまま移動</a:t>
+            </a:r>
+            <a:endParaRPr kumimoji="1" lang="en-US" altLang="ja-JP" dirty="0"/>
+          </a:p>
+          <a:p>
+            <a:r>
               <a:rPr lang="ja-JP" altLang="en-US" dirty="0"/>
               <a:t>ジャンプ</a:t>
             </a:r>
@@ -3698,6 +3714,17 @@
           <a:p>
             <a:r>
               <a:rPr lang="en-US" altLang="ja-JP" dirty="0"/>
+              <a:t>	</a:t>
+            </a:r>
+            <a:r>
+              <a:rPr lang="ja-JP" altLang="en-US" dirty="0"/>
+              <a:t>ハンマーを投げて戻す</a:t>
+            </a:r>
+            <a:endParaRPr kumimoji="1" lang="en-US" altLang="ja-JP" dirty="0"/>
+          </a:p>
+          <a:p>
+            <a:r>
+              <a:rPr lang="en-US" altLang="ja-JP" dirty="0"/>
               <a:t>(</a:t>
             </a:r>
             <a:r>
@@ -3724,7 +3751,54 @@
               <a:rPr lang="en-US" altLang="ja-JP" dirty="0"/>
               <a:t>)</a:t>
             </a:r>
+          </a:p>
+          <a:p>
+            <a:r>
+              <a:rPr lang="ja-JP" altLang="en-US" dirty="0"/>
+              <a:t>その場でハンマーを左右に振って終わりに投げる</a:t>
+            </a:r>
             <a:endParaRPr kumimoji="1" lang="ja-JP" altLang="en-US" dirty="0"/>
+          </a:p>
+        </p:txBody>
+      </p:sp>
+      <p:sp>
+        <p:nvSpPr>
+          <p:cNvPr id="5" name="テキスト ボックス 4">
+            <a:extLst>
+              <a:ext uri="{FF2B5EF4-FFF2-40B4-BE49-F238E27FC236}">
+                <a16:creationId xmlns:a16="http://schemas.microsoft.com/office/drawing/2014/main" id="{A09586AA-1154-49A5-B583-F2A6D3B5AFD5}"/>
+              </a:ext>
+            </a:extLst>
+          </p:cNvPr>
+          <p:cNvSpPr txBox="1"/>
+          <p:nvPr/>
+        </p:nvSpPr>
+        <p:spPr>
+          <a:xfrm>
+            <a:off x="6251510" y="1984572"/>
+            <a:ext cx="5262979" cy="646331"/>
+          </a:xfrm>
+          <a:prstGeom prst="rect">
+            <a:avLst/>
+          </a:prstGeom>
+          <a:noFill/>
+        </p:spPr>
+        <p:txBody>
+          <a:bodyPr wrap="none" rtlCol="0">
+            <a:spAutoFit/>
+          </a:bodyPr>
+          <a:lstStyle/>
+          <a:p>
+            <a:r>
+              <a:rPr kumimoji="1" lang="en-US" altLang="ja-JP" dirty="0"/>
+              <a:t>Unity</a:t>
+            </a:r>
+          </a:p>
+          <a:p>
+            <a:r>
+              <a:rPr kumimoji="1" lang="ja-JP" altLang="en-US" dirty="0"/>
+              <a:t>ただの移動にチェーンハンマーをどう実装するか</a:t>
+            </a:r>
           </a:p>
         </p:txBody>
       </p:sp>
